--- a/ZocdocPPT.pptx
+++ b/ZocdocPPT.pptx
@@ -344,7 +344,7 @@
           <a:p>
             <a:fld id="{63A5DA93-52F8-B242-9054-8911B6FB22E7}" type="datetimeFigureOut">
               <a:rPr lang="en-US" smtClean="0"/>
-              <a:t>5/5/19</a:t>
+              <a:t>5/6/19</a:t>
             </a:fld>
             <a:endParaRPr lang="en-US"/>
           </a:p>
@@ -666,7 +666,7 @@
           <a:p>
             <a:fld id="{63A5DA93-52F8-B242-9054-8911B6FB22E7}" type="datetimeFigureOut">
               <a:rPr lang="en-US" smtClean="0"/>
-              <a:t>5/5/19</a:t>
+              <a:t>5/6/19</a:t>
             </a:fld>
             <a:endParaRPr lang="en-US"/>
           </a:p>
@@ -943,7 +943,7 @@
           <a:p>
             <a:fld id="{63A5DA93-52F8-B242-9054-8911B6FB22E7}" type="datetimeFigureOut">
               <a:rPr lang="en-US" smtClean="0"/>
-              <a:t>5/5/19</a:t>
+              <a:t>5/6/19</a:t>
             </a:fld>
             <a:endParaRPr lang="en-US"/>
           </a:p>
@@ -1237,7 +1237,7 @@
           <a:p>
             <a:fld id="{63A5DA93-52F8-B242-9054-8911B6FB22E7}" type="datetimeFigureOut">
               <a:rPr lang="en-US" smtClean="0"/>
-              <a:t>5/5/19</a:t>
+              <a:t>5/6/19</a:t>
             </a:fld>
             <a:endParaRPr lang="en-US"/>
           </a:p>
@@ -1566,7 +1566,7 @@
           <a:p>
             <a:fld id="{63A5DA93-52F8-B242-9054-8911B6FB22E7}" type="datetimeFigureOut">
               <a:rPr lang="en-US" smtClean="0"/>
-              <a:t>5/5/19</a:t>
+              <a:t>5/6/19</a:t>
             </a:fld>
             <a:endParaRPr lang="en-US"/>
           </a:p>
@@ -1817,7 +1817,7 @@
           <a:p>
             <a:fld id="{63A5DA93-52F8-B242-9054-8911B6FB22E7}" type="datetimeFigureOut">
               <a:rPr lang="en-US" smtClean="0"/>
-              <a:t>5/5/19</a:t>
+              <a:t>5/6/19</a:t>
             </a:fld>
             <a:endParaRPr lang="en-US"/>
           </a:p>
@@ -1996,7 +1996,7 @@
           <a:p>
             <a:fld id="{63A5DA93-52F8-B242-9054-8911B6FB22E7}" type="datetimeFigureOut">
               <a:rPr lang="en-US" smtClean="0"/>
-              <a:t>5/5/19</a:t>
+              <a:t>5/6/19</a:t>
             </a:fld>
             <a:endParaRPr lang="en-US"/>
           </a:p>
@@ -2165,7 +2165,7 @@
           <a:p>
             <a:fld id="{63A5DA93-52F8-B242-9054-8911B6FB22E7}" type="datetimeFigureOut">
               <a:rPr lang="en-US" smtClean="0"/>
-              <a:t>5/5/19</a:t>
+              <a:t>5/6/19</a:t>
             </a:fld>
             <a:endParaRPr lang="en-US"/>
           </a:p>
@@ -2434,7 +2434,7 @@
           <a:p>
             <a:fld id="{63A5DA93-52F8-B242-9054-8911B6FB22E7}" type="datetimeFigureOut">
               <a:rPr lang="en-US" smtClean="0"/>
-              <a:t>5/5/19</a:t>
+              <a:t>5/6/19</a:t>
             </a:fld>
             <a:endParaRPr lang="en-US"/>
           </a:p>
@@ -2741,7 +2741,7 @@
           <a:p>
             <a:fld id="{63A5DA93-52F8-B242-9054-8911B6FB22E7}" type="datetimeFigureOut">
               <a:rPr lang="en-US" smtClean="0"/>
-              <a:t>5/5/19</a:t>
+              <a:t>5/6/19</a:t>
             </a:fld>
             <a:endParaRPr lang="en-US"/>
           </a:p>
@@ -3033,7 +3033,7 @@
           <a:p>
             <a:fld id="{63A5DA93-52F8-B242-9054-8911B6FB22E7}" type="datetimeFigureOut">
               <a:rPr lang="en-US" smtClean="0"/>
-              <a:t>5/5/19</a:t>
+              <a:t>5/6/19</a:t>
             </a:fld>
             <a:endParaRPr lang="en-US"/>
           </a:p>
@@ -3463,7 +3463,7 @@
           <a:p>
             <a:fld id="{63A5DA93-52F8-B242-9054-8911B6FB22E7}" type="datetimeFigureOut">
               <a:rPr lang="en-US" smtClean="0"/>
-              <a:t>5/5/19</a:t>
+              <a:t>5/6/19</a:t>
             </a:fld>
             <a:endParaRPr lang="en-US"/>
           </a:p>
@@ -3809,7 +3809,7 @@
           <a:p>
             <a:fld id="{63A5DA93-52F8-B242-9054-8911B6FB22E7}" type="datetimeFigureOut">
               <a:rPr lang="en-US" smtClean="0"/>
-              <a:t>5/5/19</a:t>
+              <a:t>5/6/19</a:t>
             </a:fld>
             <a:endParaRPr lang="en-US"/>
           </a:p>
@@ -3899,7 +3899,7 @@
           <a:p>
             <a:fld id="{63A5DA93-52F8-B242-9054-8911B6FB22E7}" type="datetimeFigureOut">
               <a:rPr lang="en-US" smtClean="0"/>
-              <a:t>5/5/19</a:t>
+              <a:t>5/6/19</a:t>
             </a:fld>
             <a:endParaRPr lang="en-US"/>
           </a:p>
@@ -4236,7 +4236,7 @@
           <a:p>
             <a:fld id="{63A5DA93-52F8-B242-9054-8911B6FB22E7}" type="datetimeFigureOut">
               <a:rPr lang="en-US" smtClean="0"/>
-              <a:t>5/5/19</a:t>
+              <a:t>5/6/19</a:t>
             </a:fld>
             <a:endParaRPr lang="en-US"/>
           </a:p>
@@ -4449,7 +4449,7 @@
           <a:p>
             <a:fld id="{63A5DA93-52F8-B242-9054-8911B6FB22E7}" type="datetimeFigureOut">
               <a:rPr lang="en-US" smtClean="0"/>
-              <a:t>5/5/19</a:t>
+              <a:t>5/6/19</a:t>
             </a:fld>
             <a:endParaRPr lang="en-US"/>
           </a:p>
@@ -7060,7 +7060,19 @@
             </a:r>
             <a:r>
               <a:rPr lang="en-US" dirty="0" smtClean="0"/>
-              <a:t> are heavily skewed to the left because of the model of </a:t>
+              <a:t> are heavily skewed to the </a:t>
+            </a:r>
+            <a:r>
+              <a:rPr lang="en-US" dirty="0" smtClean="0"/>
+              <a:t>right</a:t>
+            </a:r>
+            <a:r>
+              <a:rPr lang="en-US" dirty="0" smtClean="0"/>
+              <a:t> </a:t>
+            </a:r>
+            <a:r>
+              <a:rPr lang="en-US" dirty="0" smtClean="0"/>
+              <a:t>because of the model of </a:t>
             </a:r>
             <a:r>
               <a:rPr lang="en-US" dirty="0" err="1" smtClean="0"/>

--- a/ZocdocPPT.pptx
+++ b/ZocdocPPT.pptx
@@ -15,14 +15,14 @@
     <p:sldId id="261" r:id="rId9"/>
     <p:sldId id="264" r:id="rId10"/>
     <p:sldId id="278" r:id="rId11"/>
-    <p:sldId id="274" r:id="rId12"/>
-    <p:sldId id="265" r:id="rId13"/>
-    <p:sldId id="269" r:id="rId14"/>
-    <p:sldId id="268" r:id="rId15"/>
-    <p:sldId id="276" r:id="rId16"/>
-    <p:sldId id="272" r:id="rId17"/>
-    <p:sldId id="277" r:id="rId18"/>
-    <p:sldId id="273" r:id="rId19"/>
+    <p:sldId id="276" r:id="rId12"/>
+    <p:sldId id="272" r:id="rId13"/>
+    <p:sldId id="277" r:id="rId14"/>
+    <p:sldId id="273" r:id="rId15"/>
+    <p:sldId id="282" r:id="rId16"/>
+    <p:sldId id="279" r:id="rId17"/>
+    <p:sldId id="280" r:id="rId18"/>
+    <p:sldId id="281" r:id="rId19"/>
     <p:sldId id="271" r:id="rId20"/>
   </p:sldIdLst>
   <p:sldSz cx="9144000" cy="6858000" type="screen4x3"/>
@@ -5511,25 +5511,36 @@
           </a:p>
           <a:p>
             <a:r>
+              <a:rPr lang="en-US" b="1" dirty="0"/>
+              <a:t>Which specialties have the most number of </a:t>
+            </a:r>
+            <a:r>
+              <a:rPr lang="en-US" b="1" dirty="0" err="1"/>
+              <a:t>Zocdoc</a:t>
+            </a:r>
+            <a:r>
+              <a:rPr lang="en-US" b="1" dirty="0"/>
+              <a:t> “awards”</a:t>
+            </a:r>
+            <a:r>
               <a:rPr lang="en-US" b="1" dirty="0" smtClean="0"/>
-              <a:t>Are there significant difference noticed between the boroughs of New York?</a:t>
-            </a:r>
+              <a:t>?</a:t>
+            </a:r>
+            <a:endParaRPr lang="en-US" dirty="0" smtClean="0"/>
           </a:p>
           <a:p>
             <a:r>
               <a:rPr lang="en-US" dirty="0" smtClean="0"/>
-              <a:t>Which specialties have the most number of </a:t>
-            </a:r>
-            <a:r>
-              <a:rPr lang="en-US" dirty="0" err="1" smtClean="0"/>
-              <a:t>Zocdoc</a:t>
+              <a:t>Are </a:t>
             </a:r>
             <a:r>
               <a:rPr lang="en-US" dirty="0" smtClean="0"/>
-              <a:t> “awards”?</a:t>
-            </a:r>
-          </a:p>
-          <a:p>
+              <a:t>there significant difference noticed between the boroughs of New York</a:t>
+            </a:r>
+            <a:r>
+              <a:rPr lang="en-US" dirty="0" smtClean="0"/>
+              <a:t>?</a:t>
+            </a:r>
             <a:endParaRPr lang="en-US" dirty="0" smtClean="0"/>
           </a:p>
           <a:p>
@@ -5543,7 +5554,7 @@
     </p:spTree>
     <p:extLst>
       <p:ext uri="{BB962C8B-B14F-4D97-AF65-F5344CB8AC3E}">
-        <p14:creationId xmlns:p14="http://schemas.microsoft.com/office/powerpoint/2010/main" val="4005209028"/>
+        <p14:creationId xmlns:p14="http://schemas.microsoft.com/office/powerpoint/2010/main" val="4080323919"/>
       </p:ext>
     </p:extLst>
   </p:cSld>
@@ -5594,7 +5605,7 @@
           <a:p>
             <a:r>
               <a:rPr lang="en-US" sz="2400" dirty="0" smtClean="0"/>
-              <a:t>Average Rating by Borough</a:t>
+              <a:t>Recognition Awards </a:t>
             </a:r>
             <a:endParaRPr lang="en-US" sz="2400" dirty="0"/>
           </a:p>
@@ -5602,7 +5613,7 @@
       </p:sp>
       <p:pic>
         <p:nvPicPr>
-          <p:cNvPr id="2" name="Picture 1" descr="Screen Shot 2019-05-05 at 7.53.02 PM.png"/>
+          <p:cNvPr id="2" name="Picture 1" descr="Screen Shot 2019-05-06 at 1.27.59 PM.png"/>
           <p:cNvPicPr>
             <a:picLocks noChangeAspect="1"/>
           </p:cNvPicPr>
@@ -5622,18 +5633,85 @@
         </p:blipFill>
         <p:spPr>
           <a:xfrm>
-            <a:off x="498474" y="1454495"/>
-            <a:ext cx="8275725" cy="4716274"/>
+            <a:off x="1717319" y="3448910"/>
+            <a:ext cx="5541599" cy="2966386"/>
           </a:xfrm>
           <a:prstGeom prst="rect">
             <a:avLst/>
           </a:prstGeom>
         </p:spPr>
       </p:pic>
+      <p:sp>
+        <p:nvSpPr>
+          <p:cNvPr id="6" name="Content Placeholder 1"/>
+          <p:cNvSpPr>
+            <a:spLocks noGrp="1"/>
+          </p:cNvSpPr>
+          <p:nvPr>
+            <p:ph idx="1"/>
+          </p:nvPr>
+        </p:nvSpPr>
+        <p:spPr>
+          <a:xfrm>
+            <a:off x="498475" y="1111120"/>
+            <a:ext cx="4956538" cy="2795229"/>
+          </a:xfrm>
+        </p:spPr>
+        <p:txBody>
+          <a:bodyPr>
+            <a:normAutofit/>
+          </a:bodyPr>
+          <a:lstStyle/>
+          <a:p>
+            <a:r>
+              <a:rPr lang="en-US" dirty="0" err="1" smtClean="0"/>
+              <a:t>Zocdoc</a:t>
+            </a:r>
+            <a:r>
+              <a:rPr lang="en-US" dirty="0" smtClean="0"/>
+              <a:t> gives awards to its doctors in the 4 categories: </a:t>
+            </a:r>
+          </a:p>
+          <a:p>
+            <a:pPr lvl="1"/>
+            <a:r>
+              <a:rPr lang="en-US" dirty="0" smtClean="0"/>
+              <a:t>Rapid Registration</a:t>
+            </a:r>
+          </a:p>
+          <a:p>
+            <a:pPr lvl="1"/>
+            <a:r>
+              <a:rPr lang="en-US" dirty="0" smtClean="0"/>
+              <a:t>Speedy Response</a:t>
+            </a:r>
+          </a:p>
+          <a:p>
+            <a:pPr lvl="1"/>
+            <a:r>
+              <a:rPr lang="en-US" dirty="0" smtClean="0"/>
+              <a:t>“See You Again” (Return patients)</a:t>
+            </a:r>
+          </a:p>
+          <a:p>
+            <a:pPr lvl="1"/>
+            <a:r>
+              <a:rPr lang="en-US" dirty="0" smtClean="0"/>
+              <a:t>Scheduling Hero</a:t>
+            </a:r>
+          </a:p>
+          <a:p>
+            <a:endParaRPr lang="en-US" dirty="0" smtClean="0"/>
+          </a:p>
+          <a:p>
+            <a:endParaRPr lang="en-US" dirty="0"/>
+          </a:p>
+        </p:txBody>
+      </p:sp>
     </p:spTree>
     <p:extLst>
       <p:ext uri="{BB962C8B-B14F-4D97-AF65-F5344CB8AC3E}">
-        <p14:creationId xmlns:p14="http://schemas.microsoft.com/office/powerpoint/2010/main" val="3079629258"/>
+        <p14:creationId xmlns:p14="http://schemas.microsoft.com/office/powerpoint/2010/main" val="2798622605"/>
       </p:ext>
     </p:extLst>
   </p:cSld>
@@ -5684,7 +5762,7 @@
           <a:p>
             <a:r>
               <a:rPr lang="en-US" sz="2400" dirty="0" smtClean="0"/>
-              <a:t>Number of Reviews in Each Borough</a:t>
+              <a:t>More Awards</a:t>
             </a:r>
             <a:endParaRPr lang="en-US" sz="2400" dirty="0"/>
           </a:p>
@@ -5692,7 +5770,7 @@
       </p:sp>
       <p:pic>
         <p:nvPicPr>
-          <p:cNvPr id="6" name="Picture 5" descr="Screen Shot 2019-05-05 at 11.46.03 PM.png"/>
+          <p:cNvPr id="5" name="Picture 4" descr="Screen Shot 2019-05-06 at 1.34.48 PM.png"/>
           <p:cNvPicPr>
             <a:picLocks noChangeAspect="1"/>
           </p:cNvPicPr>
@@ -5712,8 +5790,38 @@
         </p:blipFill>
         <p:spPr>
           <a:xfrm>
-            <a:off x="144310" y="1010119"/>
-            <a:ext cx="8658749" cy="5295921"/>
+            <a:off x="498474" y="1139995"/>
+            <a:ext cx="4930184" cy="2611884"/>
+          </a:xfrm>
+          <a:prstGeom prst="rect">
+            <a:avLst/>
+          </a:prstGeom>
+        </p:spPr>
+      </p:pic>
+      <p:pic>
+        <p:nvPicPr>
+          <p:cNvPr id="7" name="Picture 6" descr="Screen Shot 2019-05-06 at 1.35.37 PM.png"/>
+          <p:cNvPicPr>
+            <a:picLocks noChangeAspect="1"/>
+          </p:cNvPicPr>
+          <p:nvPr/>
+        </p:nvPicPr>
+        <p:blipFill>
+          <a:blip r:embed="rId3">
+            <a:extLst>
+              <a:ext uri="{28A0092B-C50C-407E-A947-70E740481C1C}">
+                <a14:useLocalDpi xmlns:a14="http://schemas.microsoft.com/office/drawing/2010/main" val="0"/>
+              </a:ext>
+            </a:extLst>
+          </a:blip>
+          <a:stretch>
+            <a:fillRect/>
+          </a:stretch>
+        </p:blipFill>
+        <p:spPr>
+          <a:xfrm>
+            <a:off x="3407403" y="3751879"/>
+            <a:ext cx="5049308" cy="2688859"/>
           </a:xfrm>
           <a:prstGeom prst="rect">
             <a:avLst/>
@@ -5723,7 +5831,7 @@
     </p:spTree>
     <p:extLst>
       <p:ext uri="{BB962C8B-B14F-4D97-AF65-F5344CB8AC3E}">
-        <p14:creationId xmlns:p14="http://schemas.microsoft.com/office/powerpoint/2010/main" val="4060812419"/>
+        <p14:creationId xmlns:p14="http://schemas.microsoft.com/office/powerpoint/2010/main" val="1630123110"/>
       </p:ext>
     </p:extLst>
   </p:cSld>
@@ -5774,7 +5882,7 @@
           <a:p>
             <a:r>
               <a:rPr lang="en-US" sz="2400" dirty="0" smtClean="0"/>
-              <a:t>Between Boroughs</a:t>
+              <a:t>Percent of Doctors with Awards by Gender</a:t>
             </a:r>
             <a:endParaRPr lang="en-US" sz="2400" dirty="0"/>
           </a:p>
@@ -5790,8 +5898,8 @@
         </p:nvSpPr>
         <p:spPr>
           <a:xfrm>
-            <a:off x="650874" y="1152340"/>
-            <a:ext cx="7556313" cy="5269143"/>
+            <a:off x="650874" y="1630624"/>
+            <a:ext cx="7556313" cy="4790859"/>
           </a:xfrm>
           <a:prstGeom prst="rect">
             <a:avLst/>
@@ -6014,23 +6122,44 @@
             </a:lvl9pPr>
           </a:lstStyle>
           <a:p>
-            <a:r>
-              <a:rPr lang="en-US" dirty="0" smtClean="0"/>
-              <a:t>It does not look like there is a significant difference in ratings between the boroughs. </a:t>
-            </a:r>
-          </a:p>
-          <a:p>
-            <a:r>
-              <a:rPr lang="en-US" dirty="0" smtClean="0"/>
-              <a:t>Since Manhattan has more people, it makes sense that most of the reviews are from the city. </a:t>
-            </a:r>
-          </a:p>
-        </p:txBody>
-      </p:sp>
+            <a:endParaRPr lang="en-US" dirty="0"/>
+          </a:p>
+        </p:txBody>
+      </p:sp>
+      <p:pic>
+        <p:nvPicPr>
+          <p:cNvPr id="2" name="Picture 1" descr="Screen Shot 2019-05-06 at 11.02.42 AM.png"/>
+          <p:cNvPicPr>
+            <a:picLocks noChangeAspect="1"/>
+          </p:cNvPicPr>
+          <p:nvPr/>
+        </p:nvPicPr>
+        <p:blipFill>
+          <a:blip r:embed="rId2">
+            <a:extLst>
+              <a:ext uri="{28A0092B-C50C-407E-A947-70E740481C1C}">
+                <a14:useLocalDpi xmlns:a14="http://schemas.microsoft.com/office/drawing/2010/main" val="0"/>
+              </a:ext>
+            </a:extLst>
+          </a:blip>
+          <a:stretch>
+            <a:fillRect/>
+          </a:stretch>
+        </p:blipFill>
+        <p:spPr>
+          <a:xfrm>
+            <a:off x="1378780" y="1240999"/>
+            <a:ext cx="5529066" cy="4401247"/>
+          </a:xfrm>
+          <a:prstGeom prst="rect">
+            <a:avLst/>
+          </a:prstGeom>
+        </p:spPr>
+      </p:pic>
     </p:spTree>
     <p:extLst>
       <p:ext uri="{BB962C8B-B14F-4D97-AF65-F5344CB8AC3E}">
-        <p14:creationId xmlns:p14="http://schemas.microsoft.com/office/powerpoint/2010/main" val="905562085"/>
+        <p14:creationId xmlns:p14="http://schemas.microsoft.com/office/powerpoint/2010/main" val="1470106994"/>
       </p:ext>
     </p:extLst>
   </p:cSld>
@@ -6123,22 +6252,35 @@
           <a:p>
             <a:r>
               <a:rPr lang="en-US" dirty="0" smtClean="0"/>
-              <a:t>Are there significant difference noticed between the boroughs of New York?</a:t>
-            </a:r>
-          </a:p>
-          <a:p>
+              <a:t>Which </a:t>
+            </a:r>
+            <a:r>
+              <a:rPr lang="en-US" dirty="0" smtClean="0"/>
+              <a:t>specialties have the most number of </a:t>
+            </a:r>
+            <a:r>
+              <a:rPr lang="en-US" dirty="0" err="1" smtClean="0"/>
+              <a:t>Zocdoc</a:t>
+            </a:r>
+            <a:r>
+              <a:rPr lang="en-US" dirty="0" smtClean="0"/>
+              <a:t> “awards”</a:t>
+            </a:r>
+            <a:r>
+              <a:rPr lang="en-US" dirty="0" smtClean="0"/>
+              <a:t>?</a:t>
+            </a:r>
+          </a:p>
+          <a:p>
+            <a:r>
+              <a:rPr lang="en-US" b="1" dirty="0"/>
+              <a:t>Are there significant difference noticed between the boroughs of New York</a:t>
+            </a:r>
             <a:r>
               <a:rPr lang="en-US" b="1" dirty="0" smtClean="0"/>
-              <a:t>Which specialties have the most number of </a:t>
-            </a:r>
-            <a:r>
-              <a:rPr lang="en-US" b="1" dirty="0" err="1" smtClean="0"/>
-              <a:t>Zocdoc</a:t>
-            </a:r>
-            <a:r>
-              <a:rPr lang="en-US" b="1" dirty="0" smtClean="0"/>
-              <a:t> “awards”?</a:t>
-            </a:r>
+              <a:t>?</a:t>
+            </a:r>
+            <a:endParaRPr lang="en-US" dirty="0" smtClean="0"/>
           </a:p>
           <a:p>
             <a:endParaRPr lang="en-US" dirty="0" smtClean="0"/>
@@ -6154,7 +6296,7 @@
     </p:spTree>
     <p:extLst>
       <p:ext uri="{BB962C8B-B14F-4D97-AF65-F5344CB8AC3E}">
-        <p14:creationId xmlns:p14="http://schemas.microsoft.com/office/powerpoint/2010/main" val="4080323919"/>
+        <p14:creationId xmlns:p14="http://schemas.microsoft.com/office/powerpoint/2010/main" val="1355975009"/>
       </p:ext>
     </p:extLst>
   </p:cSld>
@@ -6205,7 +6347,7 @@
           <a:p>
             <a:r>
               <a:rPr lang="en-US" sz="2400" dirty="0" smtClean="0"/>
-              <a:t>Recognition Awards </a:t>
+              <a:t>Average Rating by Borough</a:t>
             </a:r>
             <a:endParaRPr lang="en-US" sz="2400" dirty="0"/>
           </a:p>
@@ -6213,7 +6355,7 @@
       </p:sp>
       <p:pic>
         <p:nvPicPr>
-          <p:cNvPr id="2" name="Picture 1" descr="Screen Shot 2019-05-06 at 1.27.59 PM.png"/>
+          <p:cNvPr id="2" name="Picture 1" descr="Screen Shot 2019-05-05 at 7.53.02 PM.png"/>
           <p:cNvPicPr>
             <a:picLocks noChangeAspect="1"/>
           </p:cNvPicPr>
@@ -6233,85 +6375,18 @@
         </p:blipFill>
         <p:spPr>
           <a:xfrm>
-            <a:off x="1717319" y="3448910"/>
-            <a:ext cx="5541599" cy="2966386"/>
+            <a:off x="498474" y="1454495"/>
+            <a:ext cx="8275725" cy="4716274"/>
           </a:xfrm>
           <a:prstGeom prst="rect">
             <a:avLst/>
           </a:prstGeom>
         </p:spPr>
       </p:pic>
-      <p:sp>
-        <p:nvSpPr>
-          <p:cNvPr id="6" name="Content Placeholder 1"/>
-          <p:cNvSpPr>
-            <a:spLocks noGrp="1"/>
-          </p:cNvSpPr>
-          <p:nvPr>
-            <p:ph idx="1"/>
-          </p:nvPr>
-        </p:nvSpPr>
-        <p:spPr>
-          <a:xfrm>
-            <a:off x="498475" y="1111120"/>
-            <a:ext cx="4956538" cy="2795229"/>
-          </a:xfrm>
-        </p:spPr>
-        <p:txBody>
-          <a:bodyPr>
-            <a:normAutofit/>
-          </a:bodyPr>
-          <a:lstStyle/>
-          <a:p>
-            <a:r>
-              <a:rPr lang="en-US" dirty="0" err="1" smtClean="0"/>
-              <a:t>Zocdoc</a:t>
-            </a:r>
-            <a:r>
-              <a:rPr lang="en-US" dirty="0" smtClean="0"/>
-              <a:t> gives awards to its doctors in the 4 categories: </a:t>
-            </a:r>
-          </a:p>
-          <a:p>
-            <a:pPr lvl="1"/>
-            <a:r>
-              <a:rPr lang="en-US" dirty="0" smtClean="0"/>
-              <a:t>Rapid Registration</a:t>
-            </a:r>
-          </a:p>
-          <a:p>
-            <a:pPr lvl="1"/>
-            <a:r>
-              <a:rPr lang="en-US" dirty="0" smtClean="0"/>
-              <a:t>Speedy Response</a:t>
-            </a:r>
-          </a:p>
-          <a:p>
-            <a:pPr lvl="1"/>
-            <a:r>
-              <a:rPr lang="en-US" dirty="0" smtClean="0"/>
-              <a:t>“See You Again” (Return patients)</a:t>
-            </a:r>
-          </a:p>
-          <a:p>
-            <a:pPr lvl="1"/>
-            <a:r>
-              <a:rPr lang="en-US" dirty="0" smtClean="0"/>
-              <a:t>Scheduling Hero</a:t>
-            </a:r>
-          </a:p>
-          <a:p>
-            <a:endParaRPr lang="en-US" dirty="0" smtClean="0"/>
-          </a:p>
-          <a:p>
-            <a:endParaRPr lang="en-US" dirty="0"/>
-          </a:p>
-        </p:txBody>
-      </p:sp>
     </p:spTree>
     <p:extLst>
       <p:ext uri="{BB962C8B-B14F-4D97-AF65-F5344CB8AC3E}">
-        <p14:creationId xmlns:p14="http://schemas.microsoft.com/office/powerpoint/2010/main" val="2798622605"/>
+        <p14:creationId xmlns:p14="http://schemas.microsoft.com/office/powerpoint/2010/main" val="1037172028"/>
       </p:ext>
     </p:extLst>
   </p:cSld>
@@ -6362,7 +6437,7 @@
           <a:p>
             <a:r>
               <a:rPr lang="en-US" sz="2400" dirty="0" smtClean="0"/>
-              <a:t>More Awards</a:t>
+              <a:t>Number of Reviews in Each Borough</a:t>
             </a:r>
             <a:endParaRPr lang="en-US" sz="2400" dirty="0"/>
           </a:p>
@@ -6370,7 +6445,7 @@
       </p:sp>
       <p:pic>
         <p:nvPicPr>
-          <p:cNvPr id="5" name="Picture 4" descr="Screen Shot 2019-05-06 at 1.34.48 PM.png"/>
+          <p:cNvPr id="6" name="Picture 5" descr="Screen Shot 2019-05-05 at 11.46.03 PM.png"/>
           <p:cNvPicPr>
             <a:picLocks noChangeAspect="1"/>
           </p:cNvPicPr>
@@ -6390,38 +6465,8 @@
         </p:blipFill>
         <p:spPr>
           <a:xfrm>
-            <a:off x="498474" y="1139995"/>
-            <a:ext cx="4930184" cy="2611884"/>
-          </a:xfrm>
-          <a:prstGeom prst="rect">
-            <a:avLst/>
-          </a:prstGeom>
-        </p:spPr>
-      </p:pic>
-      <p:pic>
-        <p:nvPicPr>
-          <p:cNvPr id="7" name="Picture 6" descr="Screen Shot 2019-05-06 at 1.35.37 PM.png"/>
-          <p:cNvPicPr>
-            <a:picLocks noChangeAspect="1"/>
-          </p:cNvPicPr>
-          <p:nvPr/>
-        </p:nvPicPr>
-        <p:blipFill>
-          <a:blip r:embed="rId3">
-            <a:extLst>
-              <a:ext uri="{28A0092B-C50C-407E-A947-70E740481C1C}">
-                <a14:useLocalDpi xmlns:a14="http://schemas.microsoft.com/office/drawing/2010/main" val="0"/>
-              </a:ext>
-            </a:extLst>
-          </a:blip>
-          <a:stretch>
-            <a:fillRect/>
-          </a:stretch>
-        </p:blipFill>
-        <p:spPr>
-          <a:xfrm>
-            <a:off x="3407403" y="3751879"/>
-            <a:ext cx="5049308" cy="2688859"/>
+            <a:off x="144310" y="1010119"/>
+            <a:ext cx="8658749" cy="5295921"/>
           </a:xfrm>
           <a:prstGeom prst="rect">
             <a:avLst/>
@@ -6431,7 +6476,7 @@
     </p:spTree>
     <p:extLst>
       <p:ext uri="{BB962C8B-B14F-4D97-AF65-F5344CB8AC3E}">
-        <p14:creationId xmlns:p14="http://schemas.microsoft.com/office/powerpoint/2010/main" val="1630123110"/>
+        <p14:creationId xmlns:p14="http://schemas.microsoft.com/office/powerpoint/2010/main" val="3227053623"/>
       </p:ext>
     </p:extLst>
   </p:cSld>
@@ -6482,7 +6527,7 @@
           <a:p>
             <a:r>
               <a:rPr lang="en-US" sz="2400" dirty="0" smtClean="0"/>
-              <a:t>Percent of Doctors with Awards by Gender</a:t>
+              <a:t>Between Boroughs</a:t>
             </a:r>
             <a:endParaRPr lang="en-US" sz="2400" dirty="0"/>
           </a:p>
@@ -6498,8 +6543,8 @@
         </p:nvSpPr>
         <p:spPr>
           <a:xfrm>
-            <a:off x="650874" y="1630624"/>
-            <a:ext cx="7556313" cy="4790859"/>
+            <a:off x="650874" y="1152340"/>
+            <a:ext cx="7556313" cy="5269143"/>
           </a:xfrm>
           <a:prstGeom prst="rect">
             <a:avLst/>
@@ -6722,44 +6767,23 @@
             </a:lvl9pPr>
           </a:lstStyle>
           <a:p>
-            <a:endParaRPr lang="en-US" dirty="0"/>
-          </a:p>
-        </p:txBody>
-      </p:sp>
-      <p:pic>
-        <p:nvPicPr>
-          <p:cNvPr id="2" name="Picture 1" descr="Screen Shot 2019-05-06 at 11.02.42 AM.png"/>
-          <p:cNvPicPr>
-            <a:picLocks noChangeAspect="1"/>
-          </p:cNvPicPr>
-          <p:nvPr/>
-        </p:nvPicPr>
-        <p:blipFill>
-          <a:blip r:embed="rId2">
-            <a:extLst>
-              <a:ext uri="{28A0092B-C50C-407E-A947-70E740481C1C}">
-                <a14:useLocalDpi xmlns:a14="http://schemas.microsoft.com/office/drawing/2010/main" val="0"/>
-              </a:ext>
-            </a:extLst>
-          </a:blip>
-          <a:stretch>
-            <a:fillRect/>
-          </a:stretch>
-        </p:blipFill>
-        <p:spPr>
-          <a:xfrm>
-            <a:off x="1378780" y="1240999"/>
-            <a:ext cx="5529066" cy="4401247"/>
-          </a:xfrm>
-          <a:prstGeom prst="rect">
-            <a:avLst/>
-          </a:prstGeom>
-        </p:spPr>
-      </p:pic>
+            <a:r>
+              <a:rPr lang="en-US" dirty="0" smtClean="0"/>
+              <a:t>It does not look like there is a significant difference in ratings between the boroughs. </a:t>
+            </a:r>
+          </a:p>
+          <a:p>
+            <a:r>
+              <a:rPr lang="en-US" dirty="0" smtClean="0"/>
+              <a:t>Since Manhattan has more people, it makes sense that most of the reviews are from the city. </a:t>
+            </a:r>
+          </a:p>
+        </p:txBody>
+      </p:sp>
     </p:spTree>
     <p:extLst>
       <p:ext uri="{BB962C8B-B14F-4D97-AF65-F5344CB8AC3E}">
-        <p14:creationId xmlns:p14="http://schemas.microsoft.com/office/powerpoint/2010/main" val="1470106994"/>
+        <p14:creationId xmlns:p14="http://schemas.microsoft.com/office/powerpoint/2010/main" val="889180209"/>
       </p:ext>
     </p:extLst>
   </p:cSld>
@@ -7761,13 +7785,11 @@
           <a:p>
             <a:r>
               <a:rPr lang="en-US" dirty="0" smtClean="0"/>
-              <a:t>Are there significant difference noticed between the boroughs of New York?</a:t>
-            </a:r>
-          </a:p>
-          <a:p>
+              <a:t>Which </a:t>
+            </a:r>
             <a:r>
               <a:rPr lang="en-US" dirty="0" smtClean="0"/>
-              <a:t>Which specialties have the most number of </a:t>
+              <a:t>specialties have the most number of </a:t>
             </a:r>
             <a:r>
               <a:rPr lang="en-US" dirty="0" err="1" smtClean="0"/>
@@ -7775,8 +7797,24 @@
             </a:r>
             <a:r>
               <a:rPr lang="en-US" dirty="0" smtClean="0"/>
-              <a:t> “awards”?</a:t>
-            </a:r>
+              <a:t> “awards”</a:t>
+            </a:r>
+            <a:r>
+              <a:rPr lang="en-US" dirty="0" smtClean="0"/>
+              <a:t>?</a:t>
+            </a:r>
+          </a:p>
+          <a:p>
+            <a:r>
+              <a:rPr lang="en-US" dirty="0"/>
+              <a:t>Are there significant difference noticed between the boroughs of New York?</a:t>
+            </a:r>
+          </a:p>
+          <a:p>
+            <a:pPr marL="0" indent="0">
+              <a:buNone/>
+            </a:pPr>
+            <a:endParaRPr lang="en-US" dirty="0" smtClean="0"/>
           </a:p>
           <a:p>
             <a:endParaRPr lang="en-US" dirty="0" smtClean="0"/>
@@ -7884,25 +7922,36 @@
           </a:p>
           <a:p>
             <a:r>
+              <a:rPr lang="en-US" dirty="0"/>
+              <a:t>Which specialties have the most number of </a:t>
+            </a:r>
+            <a:r>
+              <a:rPr lang="en-US" dirty="0" err="1"/>
+              <a:t>Zocdoc</a:t>
+            </a:r>
+            <a:r>
+              <a:rPr lang="en-US" dirty="0"/>
+              <a:t> “awards”</a:t>
+            </a:r>
+            <a:r>
               <a:rPr lang="en-US" dirty="0" smtClean="0"/>
-              <a:t>Are there significant difference noticed between the boroughs of New York?</a:t>
-            </a:r>
+              <a:t>?</a:t>
+            </a:r>
+            <a:endParaRPr lang="en-US" dirty="0" smtClean="0"/>
           </a:p>
           <a:p>
             <a:r>
               <a:rPr lang="en-US" dirty="0" smtClean="0"/>
-              <a:t>Which specialties have the most number of </a:t>
-            </a:r>
-            <a:r>
-              <a:rPr lang="en-US" dirty="0" err="1" smtClean="0"/>
-              <a:t>Zocdoc</a:t>
+              <a:t>Are </a:t>
             </a:r>
             <a:r>
               <a:rPr lang="en-US" dirty="0" smtClean="0"/>
-              <a:t> “awards”?</a:t>
-            </a:r>
-          </a:p>
-          <a:p>
+              <a:t>there significant difference noticed between the boroughs of New York</a:t>
+            </a:r>
+            <a:r>
+              <a:rPr lang="en-US" dirty="0" smtClean="0"/>
+              <a:t>?</a:t>
+            </a:r>
             <a:endParaRPr lang="en-US" dirty="0" smtClean="0"/>
           </a:p>
           <a:p>
